--- a/Лекции/ИТиП 3 API.pptx
+++ b/Лекции/ИТиП 3 API.pptx
@@ -227,7 +227,7 @@
             <a:fld id="{AA2F9473-F066-431E-A6E8-1D478C995A6B}" type="datetimeFigureOut">
               <a:rPr lang="en-US" smtClean="0"/>
               <a:pPr/>
-              <a:t>10/9/2024</a:t>
+              <a:t>10/18/2024</a:t>
             </a:fld>
             <a:endParaRPr lang="en-US"/>
           </a:p>
@@ -2093,7 +2093,7 @@
           <p:cNvPr id="9" name="Номер слайда 3">
             <a:extLst>
               <a:ext uri="{FF2B5EF4-FFF2-40B4-BE49-F238E27FC236}">
-                <a16:creationId xmlns:a16="http://schemas.microsoft.com/office/drawing/2014/main" xmlns="" id="{3DF48714-7FE4-4364-BF9D-28B9C9E2979D}"/>
+                <a16:creationId xmlns="" xmlns:a16="http://schemas.microsoft.com/office/drawing/2014/main" id="{3DF48714-7FE4-4364-BF9D-28B9C9E2979D}"/>
               </a:ext>
             </a:extLst>
           </p:cNvPr>
@@ -2232,7 +2232,7 @@
           <p:cNvPr id="7" name="Номер слайда 3">
             <a:extLst>
               <a:ext uri="{FF2B5EF4-FFF2-40B4-BE49-F238E27FC236}">
-                <a16:creationId xmlns:a16="http://schemas.microsoft.com/office/drawing/2014/main" xmlns="" id="{3DF48714-7FE4-4364-BF9D-28B9C9E2979D}"/>
+                <a16:creationId xmlns="" xmlns:a16="http://schemas.microsoft.com/office/drawing/2014/main" id="{3DF48714-7FE4-4364-BF9D-28B9C9E2979D}"/>
               </a:ext>
             </a:extLst>
           </p:cNvPr>
@@ -2514,7 +2514,7 @@
           <p:cNvPr id="9" name="Номер слайда 3">
             <a:extLst>
               <a:ext uri="{FF2B5EF4-FFF2-40B4-BE49-F238E27FC236}">
-                <a16:creationId xmlns:a16="http://schemas.microsoft.com/office/drawing/2014/main" xmlns="" id="{3DF48714-7FE4-4364-BF9D-28B9C9E2979D}"/>
+                <a16:creationId xmlns="" xmlns:a16="http://schemas.microsoft.com/office/drawing/2014/main" id="{3DF48714-7FE4-4364-BF9D-28B9C9E2979D}"/>
               </a:ext>
             </a:extLst>
           </p:cNvPr>
@@ -2972,7 +2972,7 @@
           <p:cNvPr id="17" name="Заголовок 16">
             <a:extLst>
               <a:ext uri="{FF2B5EF4-FFF2-40B4-BE49-F238E27FC236}">
-                <a16:creationId xmlns:a16="http://schemas.microsoft.com/office/drawing/2014/main" xmlns="" id="{D630362D-1F09-46B4-9DE4-AEA483AC82FD}"/>
+                <a16:creationId xmlns="" xmlns:a16="http://schemas.microsoft.com/office/drawing/2014/main" id="{D630362D-1F09-46B4-9DE4-AEA483AC82FD}"/>
               </a:ext>
             </a:extLst>
           </p:cNvPr>
@@ -3223,7 +3223,7 @@
           <p:cNvPr id="12" name="TextBox 11">
             <a:extLst>
               <a:ext uri="{FF2B5EF4-FFF2-40B4-BE49-F238E27FC236}">
-                <a16:creationId xmlns:a16="http://schemas.microsoft.com/office/drawing/2014/main" xmlns="" id="{F7B00361-5492-4290-B470-295172C16526}"/>
+                <a16:creationId xmlns="" xmlns:a16="http://schemas.microsoft.com/office/drawing/2014/main" id="{F7B00361-5492-4290-B470-295172C16526}"/>
               </a:ext>
             </a:extLst>
           </p:cNvPr>
@@ -7059,13 +7059,7 @@
               <a:rPr lang="ru-RU" sz="2400" dirty="0" smtClean="0">
                 <a:latin typeface="Bookman Old Style" panose="02050604050505020204" pitchFamily="18" charset="0"/>
               </a:rPr>
-              <a:t>Пример использования</a:t>
-            </a:r>
-            <a:r>
-              <a:rPr lang="ru-RU" sz="2400" dirty="0" smtClean="0">
-                <a:latin typeface="Bookman Old Style" panose="02050604050505020204" pitchFamily="18" charset="0"/>
-              </a:rPr>
-              <a:t>:</a:t>
+              <a:t>Пример использования:</a:t>
             </a:r>
             <a:endParaRPr lang="ru-RU" sz="2400" dirty="0">
               <a:solidFill>
@@ -9416,7 +9410,7 @@
         <p:spPr>
           <a:xfrm>
             <a:off x="0" y="0"/>
-            <a:ext cx="12192000" cy="5262979"/>
+            <a:ext cx="12192000" cy="6001643"/>
           </a:xfrm>
           <a:prstGeom prst="rect">
             <a:avLst/>
@@ -9744,7 +9738,7 @@
               <a:t> </a:t>
             </a:r>
             <a:r>
-              <a:rPr lang="en-US" sz="2400" dirty="0">
+              <a:rPr lang="en-US" sz="2400" dirty="0" smtClean="0">
                 <a:solidFill>
                   <a:srgbClr val="222222"/>
                 </a:solidFill>
@@ -9752,6 +9746,8 @@
               </a:rPr>
               <a:t>};</a:t>
             </a:r>
+          </a:p>
+          <a:p>
             <a:endParaRPr lang="en-US" sz="2400" dirty="0">
               <a:solidFill>
                 <a:srgbClr val="000000"/>
@@ -10434,7 +10430,7 @@
               <a:t> </a:t>
             </a:r>
             <a:r>
-              <a:rPr lang="ru-RU" sz="2400" dirty="0">
+              <a:rPr lang="ru-RU" sz="2400" dirty="0" smtClean="0">
                 <a:solidFill>
                   <a:srgbClr val="222222"/>
                 </a:solidFill>
@@ -10442,6 +10438,14 @@
               </a:rPr>
               <a:t>};</a:t>
             </a:r>
+            <a:endParaRPr lang="en-US" sz="2400" dirty="0" smtClean="0">
+              <a:solidFill>
+                <a:srgbClr val="222222"/>
+              </a:solidFill>
+              <a:latin typeface="Consolas" panose="020B0609020204030204" pitchFamily="49" charset="0"/>
+            </a:endParaRPr>
+          </a:p>
+          <a:p>
             <a:endParaRPr lang="ru-RU" sz="2400" dirty="0">
               <a:solidFill>
                 <a:srgbClr val="000000"/>
